--- a/2주차/SBS게임아카데미_UNITY주말4개월_2주차.pptx
+++ b/2주차/SBS게임아카데미_UNITY주말4개월_2주차.pptx
@@ -5218,6 +5218,13 @@
   <p:clrMapOvr>
     <a:masterClrMapping/>
   </p:clrMapOvr>
+  <p:timing>
+    <p:tnLst>
+      <p:par>
+        <p:cTn id="1" dur="indefinite" restart="never" nodeType="tmRoot"/>
+      </p:par>
+    </p:tnLst>
+  </p:timing>
 </p:sld>
 </file>
 
@@ -6798,6 +6805,10 @@
               <a:rPr lang="ko-KR" altLang="en-US" dirty="0"/>
               <a:t>다른 외부 프로젝트에서 만들어진 기능들을 가져올 때 객체들끼리 이름이 중복이 될 수 있기 때문에</a:t>
             </a:r>
+            <a:r>
+              <a:rPr lang="en-US" altLang="ko-KR" dirty="0"/>
+              <a:t/>
+            </a:r>
             <a:br>
               <a:rPr lang="en-US" altLang="ko-KR" dirty="0"/>
             </a:br>
@@ -6978,6 +6989,10 @@
             <a:br>
               <a:rPr lang="en-US" altLang="ko-KR" sz="3200" dirty="0"/>
             </a:br>
+            <a:r>
+              <a:rPr lang="en-US" altLang="ko-KR" sz="3200" dirty="0"/>
+              <a:t/>
+            </a:r>
             <a:br>
               <a:rPr lang="en-US" altLang="ko-KR" sz="3200" dirty="0"/>
             </a:br>
@@ -7557,6 +7572,10 @@
             <a:r>
               <a:rPr lang="ko-KR" altLang="en-US" sz="2800" dirty="0"/>
               <a:t>메소드들</a:t>
+            </a:r>
+            <a:r>
+              <a:rPr lang="en-US" altLang="ko-KR" sz="2800" dirty="0"/>
+              <a:t/>
             </a:r>
             <a:br>
               <a:rPr lang="en-US" altLang="ko-KR" sz="2800" dirty="0"/>
@@ -18240,6 +18259,10 @@
               <a:rPr lang="ko-KR" altLang="en-US" dirty="0"/>
               <a:t>솔루션</a:t>
             </a:r>
+            <a:r>
+              <a:rPr lang="en-US" altLang="ko-KR" dirty="0"/>
+              <a:t/>
+            </a:r>
             <a:br>
               <a:rPr lang="en-US" altLang="ko-KR" dirty="0"/>
             </a:br>
@@ -18308,6 +18331,10 @@
               <a:rPr lang="ko-KR" altLang="en-US" dirty="0"/>
               <a:t>프로젝트</a:t>
             </a:r>
+            <a:r>
+              <a:rPr lang="en-US" altLang="ko-KR" dirty="0"/>
+              <a:t/>
+            </a:r>
             <a:br>
               <a:rPr lang="en-US" altLang="ko-KR" dirty="0"/>
             </a:br>
@@ -18326,6 +18353,10 @@
             <a:r>
               <a:rPr lang="ko-KR" altLang="en-US" dirty="0"/>
               <a:t>파일</a:t>
+            </a:r>
+            <a:r>
+              <a:rPr lang="en-US" altLang="ko-KR" dirty="0"/>
+              <a:t/>
             </a:r>
             <a:br>
               <a:rPr lang="en-US" altLang="ko-KR" dirty="0"/>
@@ -18584,6 +18615,10 @@
               <a:rPr lang="ko-KR" altLang="en-US" dirty="0"/>
               <a:t>프로젝트</a:t>
             </a:r>
+            <a:r>
+              <a:rPr lang="en-US" altLang="ko-KR" dirty="0"/>
+              <a:t/>
+            </a:r>
             <a:br>
               <a:rPr lang="en-US" altLang="ko-KR" dirty="0"/>
             </a:br>
@@ -18602,6 +18637,10 @@
             <a:r>
               <a:rPr lang="ko-KR" altLang="en-US" dirty="0"/>
               <a:t>파일</a:t>
+            </a:r>
+            <a:r>
+              <a:rPr lang="en-US" altLang="ko-KR" dirty="0"/>
+              <a:t/>
             </a:r>
             <a:br>
               <a:rPr lang="en-US" altLang="ko-KR" dirty="0"/>
@@ -18860,6 +18899,10 @@
               <a:rPr lang="ko-KR" altLang="en-US" dirty="0"/>
               <a:t>프로젝트</a:t>
             </a:r>
+            <a:r>
+              <a:rPr lang="en-US" altLang="ko-KR" dirty="0"/>
+              <a:t/>
+            </a:r>
             <a:br>
               <a:rPr lang="en-US" altLang="ko-KR" dirty="0"/>
             </a:br>
@@ -18878,6 +18921,10 @@
             <a:r>
               <a:rPr lang="ko-KR" altLang="en-US" dirty="0"/>
               <a:t>파일</a:t>
+            </a:r>
+            <a:r>
+              <a:rPr lang="en-US" altLang="ko-KR" dirty="0"/>
+              <a:t/>
             </a:r>
             <a:br>
               <a:rPr lang="en-US" altLang="ko-KR" dirty="0"/>
@@ -19136,6 +19183,10 @@
               <a:rPr lang="ko-KR" altLang="en-US" dirty="0"/>
               <a:t>프로젝트</a:t>
             </a:r>
+            <a:r>
+              <a:rPr lang="en-US" altLang="ko-KR" dirty="0"/>
+              <a:t/>
+            </a:r>
             <a:br>
               <a:rPr lang="en-US" altLang="ko-KR" dirty="0"/>
             </a:br>
@@ -19154,6 +19205,10 @@
             <a:r>
               <a:rPr lang="ko-KR" altLang="en-US" dirty="0"/>
               <a:t>파일</a:t>
+            </a:r>
+            <a:r>
+              <a:rPr lang="en-US" altLang="ko-KR" dirty="0"/>
+              <a:t/>
             </a:r>
             <a:br>
               <a:rPr lang="en-US" altLang="ko-KR" dirty="0"/>
@@ -25588,6 +25643,10 @@
               <a:rPr lang="ko-KR" altLang="en-US" dirty="0" err="1"/>
               <a:t>콜렉션은</a:t>
             </a:r>
+            <a:r>
+              <a:rPr lang="en-US" altLang="ko-KR" dirty="0"/>
+              <a:t/>
+            </a:r>
             <a:br>
               <a:rPr lang="en-US" altLang="ko-KR" dirty="0"/>
             </a:br>
@@ -25968,6 +26027,10 @@
               <a:rPr lang="ko-KR" altLang="en-US" dirty="0"/>
               <a:t>정의가 있는 것처럼</a:t>
             </a:r>
+            <a:r>
+              <a:rPr lang="en-US" altLang="ko-KR" dirty="0"/>
+              <a:t/>
+            </a:r>
             <a:br>
               <a:rPr lang="en-US" altLang="ko-KR" dirty="0"/>
             </a:br>
@@ -26284,6 +26347,10 @@
             <a:r>
               <a:rPr lang="ko-KR" altLang="en-US" sz="2400" dirty="0"/>
               <a:t>를 보고 만든 </a:t>
+            </a:r>
+            <a:r>
+              <a:rPr lang="en-US" altLang="ko-KR" sz="2400" dirty="0"/>
+              <a:t/>
             </a:r>
             <a:br>
               <a:rPr lang="en-US" altLang="ko-KR" sz="2400" dirty="0"/>
@@ -30267,6 +30334,112 @@
   <p:clrMapOvr>
     <a:masterClrMapping/>
   </p:clrMapOvr>
+  <p:timing>
+    <p:tnLst>
+      <p:par>
+        <p:cTn id="1" dur="indefinite" restart="never" nodeType="tmRoot">
+          <p:childTnLst>
+            <p:seq concurrent="1" nextAc="seek">
+              <p:cTn id="2" dur="indefinite" nodeType="mainSeq">
+                <p:childTnLst>
+                  <p:par>
+                    <p:cTn id="3" fill="hold">
+                      <p:stCondLst>
+                        <p:cond delay="indefinite"/>
+                      </p:stCondLst>
+                      <p:childTnLst>
+                        <p:par>
+                          <p:cTn id="4" fill="hold">
+                            <p:stCondLst>
+                              <p:cond delay="0"/>
+                            </p:stCondLst>
+                            <p:childTnLst>
+                              <p:par>
+                                <p:cTn id="5" presetID="1" presetClass="entr" presetSubtype="0" fill="hold" grpId="0" nodeType="clickEffect">
+                                  <p:stCondLst>
+                                    <p:cond delay="0"/>
+                                  </p:stCondLst>
+                                  <p:childTnLst>
+                                    <p:set>
+                                      <p:cBhvr>
+                                        <p:cTn id="6" dur="1" fill="hold">
+                                          <p:stCondLst>
+                                            <p:cond delay="0"/>
+                                          </p:stCondLst>
+                                        </p:cTn>
+                                        <p:tgtEl>
+                                          <p:spTgt spid="15"/>
+                                        </p:tgtEl>
+                                        <p:attrNameLst>
+                                          <p:attrName>style.visibility</p:attrName>
+                                        </p:attrNameLst>
+                                      </p:cBhvr>
+                                      <p:to>
+                                        <p:strVal val="visible"/>
+                                      </p:to>
+                                    </p:set>
+                                  </p:childTnLst>
+                                </p:cTn>
+                              </p:par>
+                              <p:par>
+                                <p:cTn id="7" presetID="1" presetClass="entr" presetSubtype="0" fill="hold" grpId="0" nodeType="withEffect">
+                                  <p:stCondLst>
+                                    <p:cond delay="0"/>
+                                  </p:stCondLst>
+                                  <p:childTnLst>
+                                    <p:set>
+                                      <p:cBhvr>
+                                        <p:cTn id="8" dur="1" fill="hold">
+                                          <p:stCondLst>
+                                            <p:cond delay="0"/>
+                                          </p:stCondLst>
+                                        </p:cTn>
+                                        <p:tgtEl>
+                                          <p:spTgt spid="18"/>
+                                        </p:tgtEl>
+                                        <p:attrNameLst>
+                                          <p:attrName>style.visibility</p:attrName>
+                                        </p:attrNameLst>
+                                      </p:cBhvr>
+                                      <p:to>
+                                        <p:strVal val="visible"/>
+                                      </p:to>
+                                    </p:set>
+                                  </p:childTnLst>
+                                </p:cTn>
+                              </p:par>
+                            </p:childTnLst>
+                          </p:cTn>
+                        </p:par>
+                      </p:childTnLst>
+                    </p:cTn>
+                  </p:par>
+                </p:childTnLst>
+              </p:cTn>
+              <p:prevCondLst>
+                <p:cond evt="onPrev" delay="0">
+                  <p:tgtEl>
+                    <p:sldTgt/>
+                  </p:tgtEl>
+                </p:cond>
+              </p:prevCondLst>
+              <p:nextCondLst>
+                <p:cond evt="onNext" delay="0">
+                  <p:tgtEl>
+                    <p:sldTgt/>
+                  </p:tgtEl>
+                </p:cond>
+              </p:nextCondLst>
+            </p:seq>
+          </p:childTnLst>
+        </p:cTn>
+      </p:par>
+    </p:tnLst>
+    <p:bldLst>
+      <p:bldP spid="15" grpId="0" animBg="1"/>
+      <p:bldP spid="18" grpId="0" animBg="1"/>
+    </p:bldLst>
+  </p:timing>
 </p:sld>
 </file>
 
